--- a/suiteRec-�A���P�[�g.pptx
+++ b/suiteRec-�A���P�[�g.pptx
@@ -6,7 +6,8 @@
   </p:sldMasterIdLst>
   <p:sldIdLst>
     <p:sldId id="257" r:id="rId2"/>
-    <p:sldId id="258" r:id="rId3"/>
+    <p:sldId id="259" r:id="rId3"/>
+    <p:sldId id="258" r:id="rId4"/>
   </p:sldIdLst>
   <p:sldSz cx="12192000" cy="18000663"/>
   <p:notesSz cx="6858000" cy="9144000"/>
@@ -3961,6 +3962,1038 @@
           <a:chExt cx="0" cy="0"/>
         </a:xfrm>
       </p:grpSpPr>
+      <p:pic>
+        <p:nvPicPr>
+          <p:cNvPr id="12" name="図 11"/>
+          <p:cNvPicPr>
+            <a:picLocks noChangeAspect="1"/>
+          </p:cNvPicPr>
+          <p:nvPr/>
+        </p:nvPicPr>
+        <p:blipFill>
+          <a:blip r:embed="rId2" cstate="print">
+            <a:extLst>
+              <a:ext uri="{28A0092B-C50C-407E-A947-70E740481C1C}">
+                <a14:useLocalDpi xmlns:a14="http://schemas.microsoft.com/office/drawing/2010/main" val="0"/>
+              </a:ext>
+            </a:extLst>
+          </a:blip>
+          <a:stretch>
+            <a:fillRect/>
+          </a:stretch>
+        </p:blipFill>
+        <p:spPr>
+          <a:xfrm>
+            <a:off x="1637119" y="19677330"/>
+            <a:ext cx="11088647" cy="4291593"/>
+          </a:xfrm>
+          <a:prstGeom prst="rect">
+            <a:avLst/>
+          </a:prstGeom>
+        </p:spPr>
+      </p:pic>
+      <p:grpSp>
+        <p:nvGrpSpPr>
+          <p:cNvPr id="3" name="グループ化 2"/>
+          <p:cNvGrpSpPr/>
+          <p:nvPr/>
+        </p:nvGrpSpPr>
+        <p:grpSpPr>
+          <a:xfrm>
+            <a:off x="173710" y="1262130"/>
+            <a:ext cx="12282119" cy="6549201"/>
+            <a:chOff x="173710" y="1262130"/>
+            <a:chExt cx="12282119" cy="6549201"/>
+          </a:xfrm>
+        </p:grpSpPr>
+        <p:sp>
+          <p:nvSpPr>
+            <p:cNvPr id="42" name="テキスト ボックス 41"/>
+            <p:cNvSpPr txBox="1"/>
+            <p:nvPr/>
+          </p:nvSpPr>
+          <p:spPr>
+            <a:xfrm>
+              <a:off x="173710" y="6543566"/>
+              <a:ext cx="1265931" cy="292388"/>
+            </a:xfrm>
+            <a:prstGeom prst="rect">
+              <a:avLst/>
+            </a:prstGeom>
+            <a:solidFill>
+              <a:schemeClr val="bg1"/>
+            </a:solidFill>
+          </p:spPr>
+          <p:txBody>
+            <a:bodyPr wrap="square" rtlCol="0">
+              <a:spAutoFit/>
+            </a:bodyPr>
+            <a:lstStyle/>
+            <a:p>
+              <a:pPr algn="r"/>
+              <a:r>
+                <a:rPr lang="en-US" altLang="ja-JP" sz="1300" dirty="0" smtClean="0"/>
+                <a:t>All answers</a:t>
+              </a:r>
+              <a:endParaRPr kumimoji="1" lang="ja-JP" altLang="en-US" sz="1300" dirty="0"/>
+            </a:p>
+          </p:txBody>
+        </p:sp>
+        <p:sp>
+          <p:nvSpPr>
+            <p:cNvPr id="43" name="テキスト ボックス 42"/>
+            <p:cNvSpPr txBox="1"/>
+            <p:nvPr/>
+          </p:nvSpPr>
+          <p:spPr>
+            <a:xfrm>
+              <a:off x="173711" y="2390458"/>
+              <a:ext cx="1265931" cy="292388"/>
+            </a:xfrm>
+            <a:prstGeom prst="rect">
+              <a:avLst/>
+            </a:prstGeom>
+            <a:solidFill>
+              <a:schemeClr val="bg1"/>
+            </a:solidFill>
+          </p:spPr>
+          <p:txBody>
+            <a:bodyPr wrap="square" rtlCol="0">
+              <a:spAutoFit/>
+            </a:bodyPr>
+            <a:lstStyle/>
+            <a:p>
+              <a:pPr algn="r"/>
+              <a:r>
+                <a:rPr lang="en-US" altLang="ja-JP" sz="1300" dirty="0" smtClean="0"/>
+                <a:t>All answers</a:t>
+              </a:r>
+              <a:endParaRPr kumimoji="1" lang="ja-JP" altLang="en-US" sz="1300" dirty="0"/>
+            </a:p>
+          </p:txBody>
+        </p:sp>
+        <p:sp>
+          <p:nvSpPr>
+            <p:cNvPr id="44" name="テキスト ボックス 43"/>
+            <p:cNvSpPr txBox="1"/>
+            <p:nvPr/>
+          </p:nvSpPr>
+          <p:spPr>
+            <a:xfrm>
+              <a:off x="173712" y="1618324"/>
+              <a:ext cx="1265931" cy="292388"/>
+            </a:xfrm>
+            <a:prstGeom prst="rect">
+              <a:avLst/>
+            </a:prstGeom>
+            <a:solidFill>
+              <a:schemeClr val="bg1"/>
+            </a:solidFill>
+          </p:spPr>
+          <p:txBody>
+            <a:bodyPr wrap="square" rtlCol="0">
+              <a:spAutoFit/>
+            </a:bodyPr>
+            <a:lstStyle/>
+            <a:p>
+              <a:pPr algn="r"/>
+              <a:r>
+                <a:rPr lang="en-US" altLang="ja-JP" sz="1300" dirty="0" smtClean="0"/>
+                <a:t>All answers</a:t>
+              </a:r>
+              <a:endParaRPr kumimoji="1" lang="ja-JP" altLang="en-US" sz="1300" dirty="0"/>
+            </a:p>
+          </p:txBody>
+        </p:sp>
+        <p:grpSp>
+          <p:nvGrpSpPr>
+            <p:cNvPr id="39" name="グループ化 38"/>
+            <p:cNvGrpSpPr/>
+            <p:nvPr/>
+          </p:nvGrpSpPr>
+          <p:grpSpPr>
+            <a:xfrm>
+              <a:off x="565042" y="5432380"/>
+              <a:ext cx="801302" cy="670698"/>
+              <a:chOff x="557549" y="3128884"/>
+              <a:chExt cx="801302" cy="670698"/>
+            </a:xfrm>
+          </p:grpSpPr>
+          <p:sp>
+            <p:nvSpPr>
+              <p:cNvPr id="40" name="テキスト ボックス 39"/>
+              <p:cNvSpPr txBox="1"/>
+              <p:nvPr/>
+            </p:nvSpPr>
+            <p:spPr>
+              <a:xfrm>
+                <a:off x="613958" y="3128884"/>
+                <a:ext cx="744893" cy="292388"/>
+              </a:xfrm>
+              <a:prstGeom prst="rect">
+                <a:avLst/>
+              </a:prstGeom>
+              <a:solidFill>
+                <a:schemeClr val="bg1"/>
+              </a:solidFill>
+            </p:spPr>
+            <p:txBody>
+              <a:bodyPr wrap="square" rtlCol="0">
+                <a:spAutoFit/>
+              </a:bodyPr>
+              <a:lstStyle/>
+              <a:p>
+                <a:pPr algn="r"/>
+                <a:r>
+                  <a:rPr lang="en-US" altLang="ja-JP" sz="1300" dirty="0" smtClean="0"/>
+                  <a:t>Tool</a:t>
+                </a:r>
+                <a:endParaRPr kumimoji="1" lang="ja-JP" altLang="en-US" sz="1300" dirty="0"/>
+              </a:p>
+            </p:txBody>
+          </p:sp>
+          <p:sp>
+            <p:nvSpPr>
+              <p:cNvPr id="41" name="テキスト ボックス 40"/>
+              <p:cNvSpPr txBox="1"/>
+              <p:nvPr/>
+            </p:nvSpPr>
+            <p:spPr>
+              <a:xfrm>
+                <a:off x="557549" y="3507194"/>
+                <a:ext cx="799627" cy="292388"/>
+              </a:xfrm>
+              <a:prstGeom prst="rect">
+                <a:avLst/>
+              </a:prstGeom>
+              <a:solidFill>
+                <a:schemeClr val="bg1"/>
+              </a:solidFill>
+            </p:spPr>
+            <p:txBody>
+              <a:bodyPr wrap="square" rtlCol="0">
+                <a:spAutoFit/>
+              </a:bodyPr>
+              <a:lstStyle/>
+              <a:p>
+                <a:pPr algn="r"/>
+                <a:r>
+                  <a:rPr lang="en-US" altLang="ja-JP" sz="1300" dirty="0" smtClean="0"/>
+                  <a:t>Manual</a:t>
+                </a:r>
+                <a:endParaRPr kumimoji="1" lang="ja-JP" altLang="en-US" sz="1300" dirty="0"/>
+              </a:p>
+            </p:txBody>
+          </p:sp>
+        </p:grpSp>
+        <p:grpSp>
+          <p:nvGrpSpPr>
+            <p:cNvPr id="36" name="グループ化 35"/>
+            <p:cNvGrpSpPr/>
+            <p:nvPr/>
+          </p:nvGrpSpPr>
+          <p:grpSpPr>
+            <a:xfrm>
+              <a:off x="565880" y="4310986"/>
+              <a:ext cx="801302" cy="670698"/>
+              <a:chOff x="557549" y="3128884"/>
+              <a:chExt cx="801302" cy="670698"/>
+            </a:xfrm>
+          </p:grpSpPr>
+          <p:sp>
+            <p:nvSpPr>
+              <p:cNvPr id="37" name="テキスト ボックス 36"/>
+              <p:cNvSpPr txBox="1"/>
+              <p:nvPr/>
+            </p:nvSpPr>
+            <p:spPr>
+              <a:xfrm>
+                <a:off x="613958" y="3128884"/>
+                <a:ext cx="744893" cy="292388"/>
+              </a:xfrm>
+              <a:prstGeom prst="rect">
+                <a:avLst/>
+              </a:prstGeom>
+              <a:solidFill>
+                <a:schemeClr val="bg1"/>
+              </a:solidFill>
+            </p:spPr>
+            <p:txBody>
+              <a:bodyPr wrap="square" rtlCol="0">
+                <a:spAutoFit/>
+              </a:bodyPr>
+              <a:lstStyle/>
+              <a:p>
+                <a:pPr algn="r"/>
+                <a:r>
+                  <a:rPr lang="en-US" altLang="ja-JP" sz="1300" dirty="0" smtClean="0"/>
+                  <a:t>Tool</a:t>
+                </a:r>
+                <a:endParaRPr kumimoji="1" lang="ja-JP" altLang="en-US" sz="1300" dirty="0"/>
+              </a:p>
+            </p:txBody>
+          </p:sp>
+          <p:sp>
+            <p:nvSpPr>
+              <p:cNvPr id="38" name="テキスト ボックス 37"/>
+              <p:cNvSpPr txBox="1"/>
+              <p:nvPr/>
+            </p:nvSpPr>
+            <p:spPr>
+              <a:xfrm>
+                <a:off x="557549" y="3507194"/>
+                <a:ext cx="799627" cy="292388"/>
+              </a:xfrm>
+              <a:prstGeom prst="rect">
+                <a:avLst/>
+              </a:prstGeom>
+              <a:solidFill>
+                <a:schemeClr val="bg1"/>
+              </a:solidFill>
+            </p:spPr>
+            <p:txBody>
+              <a:bodyPr wrap="square" rtlCol="0">
+                <a:spAutoFit/>
+              </a:bodyPr>
+              <a:lstStyle/>
+              <a:p>
+                <a:pPr algn="r"/>
+                <a:r>
+                  <a:rPr lang="en-US" altLang="ja-JP" sz="1300" dirty="0" smtClean="0"/>
+                  <a:t>Manual</a:t>
+                </a:r>
+                <a:endParaRPr kumimoji="1" lang="ja-JP" altLang="en-US" sz="1300" dirty="0"/>
+              </a:p>
+            </p:txBody>
+          </p:sp>
+        </p:grpSp>
+        <p:grpSp>
+          <p:nvGrpSpPr>
+            <p:cNvPr id="33" name="グループ化 32"/>
+            <p:cNvGrpSpPr/>
+            <p:nvPr/>
+          </p:nvGrpSpPr>
+          <p:grpSpPr>
+            <a:xfrm>
+              <a:off x="565880" y="3123334"/>
+              <a:ext cx="801302" cy="670698"/>
+              <a:chOff x="557549" y="3128884"/>
+              <a:chExt cx="801302" cy="670698"/>
+            </a:xfrm>
+          </p:grpSpPr>
+          <p:sp>
+            <p:nvSpPr>
+              <p:cNvPr id="34" name="テキスト ボックス 33"/>
+              <p:cNvSpPr txBox="1"/>
+              <p:nvPr/>
+            </p:nvSpPr>
+            <p:spPr>
+              <a:xfrm>
+                <a:off x="613958" y="3128884"/>
+                <a:ext cx="744893" cy="292388"/>
+              </a:xfrm>
+              <a:prstGeom prst="rect">
+                <a:avLst/>
+              </a:prstGeom>
+              <a:solidFill>
+                <a:schemeClr val="bg1"/>
+              </a:solidFill>
+            </p:spPr>
+            <p:txBody>
+              <a:bodyPr wrap="square" rtlCol="0">
+                <a:spAutoFit/>
+              </a:bodyPr>
+              <a:lstStyle/>
+              <a:p>
+                <a:pPr algn="r"/>
+                <a:r>
+                  <a:rPr lang="en-US" altLang="ja-JP" sz="1300" dirty="0" smtClean="0"/>
+                  <a:t>Tool</a:t>
+                </a:r>
+                <a:endParaRPr kumimoji="1" lang="ja-JP" altLang="en-US" sz="1300" dirty="0"/>
+              </a:p>
+            </p:txBody>
+          </p:sp>
+          <p:sp>
+            <p:nvSpPr>
+              <p:cNvPr id="35" name="テキスト ボックス 34"/>
+              <p:cNvSpPr txBox="1"/>
+              <p:nvPr/>
+            </p:nvSpPr>
+            <p:spPr>
+              <a:xfrm>
+                <a:off x="557549" y="3507194"/>
+                <a:ext cx="799627" cy="292388"/>
+              </a:xfrm>
+              <a:prstGeom prst="rect">
+                <a:avLst/>
+              </a:prstGeom>
+              <a:solidFill>
+                <a:schemeClr val="bg1"/>
+              </a:solidFill>
+            </p:spPr>
+            <p:txBody>
+              <a:bodyPr wrap="square" rtlCol="0">
+                <a:spAutoFit/>
+              </a:bodyPr>
+              <a:lstStyle/>
+              <a:p>
+                <a:pPr algn="r"/>
+                <a:r>
+                  <a:rPr lang="en-US" altLang="ja-JP" sz="1300" dirty="0" smtClean="0"/>
+                  <a:t>Manual</a:t>
+                </a:r>
+                <a:endParaRPr kumimoji="1" lang="ja-JP" altLang="en-US" sz="1300" dirty="0"/>
+              </a:p>
+            </p:txBody>
+          </p:sp>
+        </p:grpSp>
+        <p:pic>
+          <p:nvPicPr>
+            <p:cNvPr id="4" name="図 3"/>
+            <p:cNvPicPr>
+              <a:picLocks noChangeAspect="1"/>
+            </p:cNvPicPr>
+            <p:nvPr/>
+          </p:nvPicPr>
+          <p:blipFill rotWithShape="1">
+            <a:blip r:embed="rId2" cstate="print">
+              <a:extLst>
+                <a:ext uri="{28A0092B-C50C-407E-A947-70E740481C1C}">
+                  <a14:useLocalDpi xmlns:a14="http://schemas.microsoft.com/office/drawing/2010/main" val="0"/>
+                </a:ext>
+              </a:extLst>
+            </a:blip>
+            <a:srcRect l="8112" t="16248" b="72802"/>
+            <a:stretch/>
+          </p:blipFill>
+          <p:spPr>
+            <a:xfrm>
+              <a:off x="1371600" y="2343955"/>
+              <a:ext cx="10189147" cy="469973"/>
+            </a:xfrm>
+            <a:prstGeom prst="rect">
+              <a:avLst/>
+            </a:prstGeom>
+          </p:spPr>
+        </p:pic>
+        <p:pic>
+          <p:nvPicPr>
+            <p:cNvPr id="6" name="図 5"/>
+            <p:cNvPicPr>
+              <a:picLocks noChangeAspect="1"/>
+            </p:cNvPicPr>
+            <p:nvPr/>
+          </p:nvPicPr>
+          <p:blipFill rotWithShape="1">
+            <a:blip r:embed="rId2" cstate="print">
+              <a:extLst>
+                <a:ext uri="{28A0092B-C50C-407E-A947-70E740481C1C}">
+                  <a14:useLocalDpi xmlns:a14="http://schemas.microsoft.com/office/drawing/2010/main" val="0"/>
+                </a:ext>
+              </a:extLst>
+            </a:blip>
+            <a:srcRect b="92240"/>
+            <a:stretch/>
+          </p:blipFill>
+          <p:spPr>
+            <a:xfrm>
+              <a:off x="472100" y="2023688"/>
+              <a:ext cx="11088647" cy="333041"/>
+            </a:xfrm>
+            <a:prstGeom prst="rect">
+              <a:avLst/>
+            </a:prstGeom>
+          </p:spPr>
+        </p:pic>
+        <p:pic>
+          <p:nvPicPr>
+            <p:cNvPr id="7" name="図 6"/>
+            <p:cNvPicPr>
+              <a:picLocks noChangeAspect="1"/>
+            </p:cNvPicPr>
+            <p:nvPr/>
+          </p:nvPicPr>
+          <p:blipFill rotWithShape="1">
+            <a:blip r:embed="rId2" cstate="print">
+              <a:extLst>
+                <a:ext uri="{28A0092B-C50C-407E-A947-70E740481C1C}">
+                  <a14:useLocalDpi xmlns:a14="http://schemas.microsoft.com/office/drawing/2010/main" val="0"/>
+                </a:ext>
+              </a:extLst>
+            </a:blip>
+            <a:srcRect l="8072" t="42576" r="-8072" b="46675"/>
+            <a:stretch/>
+          </p:blipFill>
+          <p:spPr>
+            <a:xfrm>
+              <a:off x="1367182" y="1580252"/>
+              <a:ext cx="11088647" cy="461319"/>
+            </a:xfrm>
+            <a:prstGeom prst="rect">
+              <a:avLst/>
+            </a:prstGeom>
+          </p:spPr>
+        </p:pic>
+        <p:pic>
+          <p:nvPicPr>
+            <p:cNvPr id="10" name="図 9"/>
+            <p:cNvPicPr>
+              <a:picLocks noChangeAspect="1"/>
+            </p:cNvPicPr>
+            <p:nvPr/>
+          </p:nvPicPr>
+          <p:blipFill rotWithShape="1">
+            <a:blip r:embed="rId2" cstate="print">
+              <a:extLst>
+                <a:ext uri="{28A0092B-C50C-407E-A947-70E740481C1C}">
+                  <a14:useLocalDpi xmlns:a14="http://schemas.microsoft.com/office/drawing/2010/main" val="0"/>
+                </a:ext>
+              </a:extLst>
+            </a:blip>
+            <a:srcRect l="8112" t="69001" b="663"/>
+            <a:stretch/>
+          </p:blipFill>
+          <p:spPr>
+            <a:xfrm>
+              <a:off x="1371600" y="6509363"/>
+              <a:ext cx="10189147" cy="1301968"/>
+            </a:xfrm>
+            <a:prstGeom prst="rect">
+              <a:avLst/>
+            </a:prstGeom>
+          </p:spPr>
+        </p:pic>
+        <p:pic>
+          <p:nvPicPr>
+            <p:cNvPr id="11" name="図 10"/>
+            <p:cNvPicPr>
+              <a:picLocks noChangeAspect="1"/>
+            </p:cNvPicPr>
+            <p:nvPr/>
+          </p:nvPicPr>
+          <p:blipFill rotWithShape="1">
+            <a:blip r:embed="rId2" cstate="print">
+              <a:extLst>
+                <a:ext uri="{28A0092B-C50C-407E-A947-70E740481C1C}">
+                  <a14:useLocalDpi xmlns:a14="http://schemas.microsoft.com/office/drawing/2010/main" val="0"/>
+                </a:ext>
+              </a:extLst>
+            </a:blip>
+            <a:srcRect l="7996" t="27094" b="65643"/>
+            <a:stretch/>
+          </p:blipFill>
+          <p:spPr>
+            <a:xfrm>
+              <a:off x="1358721" y="1262130"/>
+              <a:ext cx="10202026" cy="311683"/>
+            </a:xfrm>
+            <a:prstGeom prst="rect">
+              <a:avLst/>
+            </a:prstGeom>
+          </p:spPr>
+        </p:pic>
+        <p:pic>
+          <p:nvPicPr>
+            <p:cNvPr id="13" name="図 12"/>
+            <p:cNvPicPr>
+              <a:picLocks noChangeAspect="1"/>
+            </p:cNvPicPr>
+            <p:nvPr/>
+          </p:nvPicPr>
+          <p:blipFill rotWithShape="1">
+            <a:blip r:embed="rId2" cstate="print">
+              <a:extLst>
+                <a:ext uri="{28A0092B-C50C-407E-A947-70E740481C1C}">
+                  <a14:useLocalDpi xmlns:a14="http://schemas.microsoft.com/office/drawing/2010/main" val="0"/>
+                </a:ext>
+              </a:extLst>
+            </a:blip>
+            <a:srcRect l="7938" t="53614" b="39541"/>
+            <a:stretch/>
+          </p:blipFill>
+          <p:spPr>
+            <a:xfrm>
+              <a:off x="1352282" y="6252693"/>
+              <a:ext cx="10208464" cy="293741"/>
+            </a:xfrm>
+            <a:prstGeom prst="rect">
+              <a:avLst/>
+            </a:prstGeom>
+          </p:spPr>
+        </p:pic>
+        <p:pic>
+          <p:nvPicPr>
+            <p:cNvPr id="14" name="図 13"/>
+            <p:cNvPicPr>
+              <a:picLocks noChangeAspect="1"/>
+            </p:cNvPicPr>
+            <p:nvPr/>
+          </p:nvPicPr>
+          <p:blipFill rotWithShape="1">
+            <a:blip r:embed="rId3" cstate="print">
+              <a:extLst>
+                <a:ext uri="{28A0092B-C50C-407E-A947-70E740481C1C}">
+                  <a14:useLocalDpi xmlns:a14="http://schemas.microsoft.com/office/drawing/2010/main" val="0"/>
+                </a:ext>
+              </a:extLst>
+            </a:blip>
+            <a:srcRect l="6862" t="53053" b="20314"/>
+            <a:stretch/>
+          </p:blipFill>
+          <p:spPr>
+            <a:xfrm>
+              <a:off x="1300766" y="2779222"/>
+              <a:ext cx="10327656" cy="1143000"/>
+            </a:xfrm>
+            <a:prstGeom prst="rect">
+              <a:avLst/>
+            </a:prstGeom>
+          </p:spPr>
+        </p:pic>
+        <p:pic>
+          <p:nvPicPr>
+            <p:cNvPr id="15" name="図 14"/>
+            <p:cNvPicPr>
+              <a:picLocks noChangeAspect="1"/>
+            </p:cNvPicPr>
+            <p:nvPr/>
+          </p:nvPicPr>
+          <p:blipFill rotWithShape="1">
+            <a:blip r:embed="rId3" cstate="print">
+              <a:extLst>
+                <a:ext uri="{28A0092B-C50C-407E-A947-70E740481C1C}">
+                  <a14:useLocalDpi xmlns:a14="http://schemas.microsoft.com/office/drawing/2010/main" val="0"/>
+                </a:ext>
+              </a:extLst>
+            </a:blip>
+            <a:srcRect l="6921" b="46611"/>
+            <a:stretch/>
+          </p:blipFill>
+          <p:spPr>
+            <a:xfrm>
+              <a:off x="1307206" y="3918879"/>
+              <a:ext cx="10321216" cy="2291254"/>
+            </a:xfrm>
+            <a:prstGeom prst="rect">
+              <a:avLst/>
+            </a:prstGeom>
+          </p:spPr>
+        </p:pic>
+        <p:pic>
+          <p:nvPicPr>
+            <p:cNvPr id="21" name="図 20"/>
+            <p:cNvPicPr>
+              <a:picLocks noChangeAspect="1"/>
+            </p:cNvPicPr>
+            <p:nvPr/>
+          </p:nvPicPr>
+          <p:blipFill rotWithShape="1">
+            <a:blip r:embed="rId2" cstate="print">
+              <a:extLst>
+                <a:ext uri="{28A0092B-C50C-407E-A947-70E740481C1C}">
+                  <a14:useLocalDpi xmlns:a14="http://schemas.microsoft.com/office/drawing/2010/main" val="0"/>
+                </a:ext>
+              </a:extLst>
+            </a:blip>
+            <a:srcRect l="66262" t="55107" r="870" b="40992"/>
+            <a:stretch/>
+          </p:blipFill>
+          <p:spPr>
+            <a:xfrm>
+              <a:off x="4623516" y="1322151"/>
+              <a:ext cx="3644721" cy="167425"/>
+            </a:xfrm>
+            <a:prstGeom prst="rect">
+              <a:avLst/>
+            </a:prstGeom>
+          </p:spPr>
+        </p:pic>
+        <p:pic>
+          <p:nvPicPr>
+            <p:cNvPr id="22" name="図 21"/>
+            <p:cNvPicPr>
+              <a:picLocks noChangeAspect="1"/>
+            </p:cNvPicPr>
+            <p:nvPr/>
+          </p:nvPicPr>
+          <p:blipFill rotWithShape="1">
+            <a:blip r:embed="rId2" cstate="print">
+              <a:extLst>
+                <a:ext uri="{28A0092B-C50C-407E-A947-70E740481C1C}">
+                  <a14:useLocalDpi xmlns:a14="http://schemas.microsoft.com/office/drawing/2010/main" val="0"/>
+                </a:ext>
+              </a:extLst>
+            </a:blip>
+            <a:srcRect l="66262" t="55107" r="870" b="40992"/>
+            <a:stretch/>
+          </p:blipFill>
+          <p:spPr>
+            <a:xfrm>
+              <a:off x="4623515" y="2105592"/>
+              <a:ext cx="3644721" cy="167425"/>
+            </a:xfrm>
+            <a:prstGeom prst="rect">
+              <a:avLst/>
+            </a:prstGeom>
+          </p:spPr>
+        </p:pic>
+        <p:pic>
+          <p:nvPicPr>
+            <p:cNvPr id="23" name="図 22"/>
+            <p:cNvPicPr>
+              <a:picLocks noChangeAspect="1"/>
+            </p:cNvPicPr>
+            <p:nvPr/>
+          </p:nvPicPr>
+          <p:blipFill rotWithShape="1">
+            <a:blip r:embed="rId2" cstate="print">
+              <a:extLst>
+                <a:ext uri="{28A0092B-C50C-407E-A947-70E740481C1C}">
+                  <a14:useLocalDpi xmlns:a14="http://schemas.microsoft.com/office/drawing/2010/main" val="0"/>
+                </a:ext>
+              </a:extLst>
+            </a:blip>
+            <a:srcRect l="66262" t="55107" r="870" b="40992"/>
+            <a:stretch/>
+          </p:blipFill>
+          <p:spPr>
+            <a:xfrm>
+              <a:off x="4473263" y="2850648"/>
+              <a:ext cx="3644721" cy="167425"/>
+            </a:xfrm>
+            <a:prstGeom prst="rect">
+              <a:avLst/>
+            </a:prstGeom>
+          </p:spPr>
+        </p:pic>
+        <p:pic>
+          <p:nvPicPr>
+            <p:cNvPr id="24" name="図 23"/>
+            <p:cNvPicPr>
+              <a:picLocks noChangeAspect="1"/>
+            </p:cNvPicPr>
+            <p:nvPr/>
+          </p:nvPicPr>
+          <p:blipFill rotWithShape="1">
+            <a:blip r:embed="rId2" cstate="print">
+              <a:extLst>
+                <a:ext uri="{28A0092B-C50C-407E-A947-70E740481C1C}">
+                  <a14:useLocalDpi xmlns:a14="http://schemas.microsoft.com/office/drawing/2010/main" val="0"/>
+                </a:ext>
+              </a:extLst>
+            </a:blip>
+            <a:srcRect l="66262" t="55107" r="870" b="40992"/>
+            <a:stretch/>
+          </p:blipFill>
+          <p:spPr>
+            <a:xfrm>
+              <a:off x="4750158" y="4026645"/>
+              <a:ext cx="3644721" cy="167425"/>
+            </a:xfrm>
+            <a:prstGeom prst="rect">
+              <a:avLst/>
+            </a:prstGeom>
+          </p:spPr>
+        </p:pic>
+        <p:pic>
+          <p:nvPicPr>
+            <p:cNvPr id="25" name="図 24"/>
+            <p:cNvPicPr>
+              <a:picLocks noChangeAspect="1"/>
+            </p:cNvPicPr>
+            <p:nvPr/>
+          </p:nvPicPr>
+          <p:blipFill rotWithShape="1">
+            <a:blip r:embed="rId2" cstate="print">
+              <a:extLst>
+                <a:ext uri="{28A0092B-C50C-407E-A947-70E740481C1C}">
+                  <a14:useLocalDpi xmlns:a14="http://schemas.microsoft.com/office/drawing/2010/main" val="0"/>
+                </a:ext>
+              </a:extLst>
+            </a:blip>
+            <a:srcRect l="66262" t="55107" r="870" b="40992"/>
+            <a:stretch/>
+          </p:blipFill>
+          <p:spPr>
+            <a:xfrm>
+              <a:off x="4692204" y="5146150"/>
+              <a:ext cx="3644721" cy="167425"/>
+            </a:xfrm>
+            <a:prstGeom prst="rect">
+              <a:avLst/>
+            </a:prstGeom>
+          </p:spPr>
+        </p:pic>
+        <p:pic>
+          <p:nvPicPr>
+            <p:cNvPr id="26" name="図 25"/>
+            <p:cNvPicPr>
+              <a:picLocks noChangeAspect="1"/>
+            </p:cNvPicPr>
+            <p:nvPr/>
+          </p:nvPicPr>
+          <p:blipFill rotWithShape="1">
+            <a:blip r:embed="rId2" cstate="print">
+              <a:extLst>
+                <a:ext uri="{28A0092B-C50C-407E-A947-70E740481C1C}">
+                  <a14:useLocalDpi xmlns:a14="http://schemas.microsoft.com/office/drawing/2010/main" val="0"/>
+                </a:ext>
+              </a:extLst>
+            </a:blip>
+            <a:srcRect l="66262" t="55107" r="870" b="40992"/>
+            <a:stretch/>
+          </p:blipFill>
+          <p:spPr>
+            <a:xfrm>
+              <a:off x="4795234" y="6303599"/>
+              <a:ext cx="3644721" cy="167425"/>
+            </a:xfrm>
+            <a:prstGeom prst="rect">
+              <a:avLst/>
+            </a:prstGeom>
+          </p:spPr>
+        </p:pic>
+        <p:sp>
+          <p:nvSpPr>
+            <p:cNvPr id="20" name="テキスト ボックス 19"/>
+            <p:cNvSpPr txBox="1"/>
+            <p:nvPr/>
+          </p:nvSpPr>
+          <p:spPr>
+            <a:xfrm>
+              <a:off x="5579232" y="1262970"/>
+              <a:ext cx="1733283" cy="276999"/>
+            </a:xfrm>
+            <a:prstGeom prst="rect">
+              <a:avLst/>
+            </a:prstGeom>
+            <a:noFill/>
+          </p:spPr>
+          <p:txBody>
+            <a:bodyPr wrap="square" rtlCol="0">
+              <a:spAutoFit/>
+            </a:bodyPr>
+            <a:lstStyle/>
+            <a:p>
+              <a:pPr algn="ctr"/>
+              <a:r>
+                <a:rPr kumimoji="1" lang="en-US" altLang="ja-JP" sz="1200" dirty="0" smtClean="0"/>
+                <a:t>1. The task was clear</a:t>
+              </a:r>
+              <a:endParaRPr kumimoji="1" lang="ja-JP" altLang="en-US" sz="1200" dirty="0"/>
+            </a:p>
+          </p:txBody>
+        </p:sp>
+        <p:sp>
+          <p:nvSpPr>
+            <p:cNvPr id="27" name="テキスト ボックス 26"/>
+            <p:cNvSpPr txBox="1"/>
+            <p:nvPr/>
+          </p:nvSpPr>
+          <p:spPr>
+            <a:xfrm>
+              <a:off x="5173210" y="2794054"/>
+              <a:ext cx="2545329" cy="276999"/>
+            </a:xfrm>
+            <a:prstGeom prst="rect">
+              <a:avLst/>
+            </a:prstGeom>
+            <a:noFill/>
+          </p:spPr>
+          <p:txBody>
+            <a:bodyPr wrap="square" rtlCol="0">
+              <a:spAutoFit/>
+            </a:bodyPr>
+            <a:lstStyle/>
+            <a:p>
+              <a:pPr algn="ctr"/>
+              <a:r>
+                <a:rPr lang="en-US" altLang="ja-JP" sz="1200" dirty="0" smtClean="0"/>
+                <a:t>3. It was easy to create the test suite </a:t>
+              </a:r>
+              <a:endParaRPr kumimoji="1" lang="ja-JP" altLang="en-US" sz="1200" dirty="0"/>
+            </a:p>
+          </p:txBody>
+        </p:sp>
+        <p:sp>
+          <p:nvSpPr>
+            <p:cNvPr id="28" name="テキスト ボックス 27"/>
+            <p:cNvSpPr txBox="1"/>
+            <p:nvPr/>
+          </p:nvSpPr>
+          <p:spPr>
+            <a:xfrm>
+              <a:off x="5218189" y="2055783"/>
+              <a:ext cx="2592750" cy="276999"/>
+            </a:xfrm>
+            <a:prstGeom prst="rect">
+              <a:avLst/>
+            </a:prstGeom>
+            <a:noFill/>
+          </p:spPr>
+          <p:txBody>
+            <a:bodyPr wrap="square" rtlCol="0">
+              <a:spAutoFit/>
+            </a:bodyPr>
+            <a:lstStyle/>
+            <a:p>
+              <a:pPr algn="ctr"/>
+              <a:r>
+                <a:rPr kumimoji="1" lang="en-US" altLang="ja-JP" sz="1200" dirty="0" smtClean="0"/>
+                <a:t>2. </a:t>
+              </a:r>
+              <a:r>
+                <a:rPr lang="en-US" altLang="ja-JP" sz="1200" dirty="0" smtClean="0"/>
+                <a:t> I had enough time to finish the task</a:t>
+              </a:r>
+              <a:endParaRPr kumimoji="1" lang="ja-JP" altLang="en-US" sz="1200" dirty="0"/>
+            </a:p>
+          </p:txBody>
+        </p:sp>
+        <p:sp>
+          <p:nvSpPr>
+            <p:cNvPr id="29" name="テキスト ボックス 28"/>
+            <p:cNvSpPr txBox="1"/>
+            <p:nvPr/>
+          </p:nvSpPr>
+          <p:spPr>
+            <a:xfrm>
+              <a:off x="4839771" y="5094876"/>
+              <a:ext cx="3369975" cy="276999"/>
+            </a:xfrm>
+            <a:prstGeom prst="rect">
+              <a:avLst/>
+            </a:prstGeom>
+            <a:noFill/>
+          </p:spPr>
+          <p:txBody>
+            <a:bodyPr wrap="square" rtlCol="0">
+              <a:spAutoFit/>
+            </a:bodyPr>
+            <a:lstStyle/>
+            <a:p>
+              <a:pPr algn="ctr"/>
+              <a:r>
+                <a:rPr lang="en-US" altLang="ja-JP" sz="1200" dirty="0"/>
+                <a:t>5. I have confidence in the quality of my test suite </a:t>
+              </a:r>
+              <a:endParaRPr kumimoji="1" lang="ja-JP" altLang="en-US" sz="1200" dirty="0"/>
+            </a:p>
+          </p:txBody>
+        </p:sp>
+        <p:sp>
+          <p:nvSpPr>
+            <p:cNvPr id="30" name="テキスト ボックス 29"/>
+            <p:cNvSpPr txBox="1"/>
+            <p:nvPr/>
+          </p:nvSpPr>
+          <p:spPr>
+            <a:xfrm>
+              <a:off x="4692204" y="6252238"/>
+              <a:ext cx="4214612" cy="276999"/>
+            </a:xfrm>
+            <a:prstGeom prst="rect">
+              <a:avLst/>
+            </a:prstGeom>
+            <a:noFill/>
+          </p:spPr>
+          <p:txBody>
+            <a:bodyPr wrap="square" rtlCol="0">
+              <a:spAutoFit/>
+            </a:bodyPr>
+            <a:lstStyle/>
+            <a:p>
+              <a:r>
+                <a:rPr kumimoji="1" lang="en-US" altLang="ja-JP" sz="1200" dirty="0" smtClean="0"/>
+                <a:t>6. </a:t>
+              </a:r>
+              <a:r>
+                <a:rPr lang="en-US" altLang="ja-JP" sz="1200" dirty="0" smtClean="0"/>
+                <a:t>Use of </a:t>
+              </a:r>
+              <a:r>
+                <a:rPr lang="en-US" altLang="ja-JP" sz="1200" dirty="0" err="1"/>
+                <a:t>SuiteRec</a:t>
+              </a:r>
+              <a:r>
+                <a:rPr lang="en-US" altLang="ja-JP" sz="1200" dirty="0"/>
+                <a:t> was helpful when creating test suites</a:t>
+              </a:r>
+              <a:endParaRPr kumimoji="1" lang="ja-JP" altLang="en-US" sz="1200" dirty="0"/>
+            </a:p>
+          </p:txBody>
+        </p:sp>
+        <p:sp>
+          <p:nvSpPr>
+            <p:cNvPr id="31" name="テキスト ボックス 30"/>
+            <p:cNvSpPr txBox="1"/>
+            <p:nvPr/>
+          </p:nvSpPr>
+          <p:spPr>
+            <a:xfrm>
+              <a:off x="4839771" y="3971857"/>
+              <a:ext cx="3465493" cy="276999"/>
+            </a:xfrm>
+            <a:prstGeom prst="rect">
+              <a:avLst/>
+            </a:prstGeom>
+            <a:noFill/>
+          </p:spPr>
+          <p:txBody>
+            <a:bodyPr wrap="square" rtlCol="0">
+              <a:spAutoFit/>
+            </a:bodyPr>
+            <a:lstStyle/>
+            <a:p>
+              <a:pPr algn="ctr"/>
+              <a:r>
+                <a:rPr lang="en-US" altLang="ja-JP" sz="1200" dirty="0"/>
+                <a:t>4</a:t>
+              </a:r>
+              <a:r>
+                <a:rPr lang="en-US" altLang="ja-JP" sz="1200" dirty="0" smtClean="0"/>
+                <a:t>. </a:t>
+              </a:r>
+              <a:r>
+                <a:rPr lang="en-US" altLang="ja-JP" sz="1200" dirty="0"/>
+                <a:t>I have confidence in the coverage of my test suite</a:t>
+              </a:r>
+              <a:endParaRPr kumimoji="1" lang="ja-JP" altLang="en-US" sz="1200" dirty="0"/>
+            </a:p>
+          </p:txBody>
+        </p:sp>
+      </p:grpSp>
+    </p:spTree>
+    <p:extLst>
+      <p:ext uri="{BB962C8B-B14F-4D97-AF65-F5344CB8AC3E}">
+        <p14:creationId xmlns:p14="http://schemas.microsoft.com/office/powerpoint/2010/main" val="2622257411"/>
+      </p:ext>
+    </p:extLst>
+  </p:cSld>
+  <p:clrMapOvr>
+    <a:masterClrMapping/>
+  </p:clrMapOvr>
+</p:sld>
+</file>
+
+<file path=ppt/slides/slide3.xml><?xml version="1.0" encoding="utf-8"?>
+<p:sld xmlns:a="http://schemas.openxmlformats.org/drawingml/2006/main" xmlns:r="http://schemas.openxmlformats.org/officeDocument/2006/relationships" xmlns:p="http://schemas.openxmlformats.org/presentationml/2006/main">
+  <p:cSld>
+    <p:spTree>
+      <p:nvGrpSpPr>
+        <p:cNvPr id="1" name=""/>
+        <p:cNvGrpSpPr/>
+        <p:nvPr/>
+      </p:nvGrpSpPr>
+      <p:grpSpPr>
+        <a:xfrm>
+          <a:off x="0" y="0"/>
+          <a:ext cx="0" cy="0"/>
+          <a:chOff x="0" y="0"/>
+          <a:chExt cx="0" cy="0"/>
+        </a:xfrm>
+      </p:grpSpPr>
       <p:grpSp>
         <p:nvGrpSpPr>
           <p:cNvPr id="54" name="グループ化 53"/>

--- a/suiteRec-�A���P�[�g.pptx
+++ b/suiteRec-�A���P�[�g.pptx
@@ -7,7 +7,8 @@
   <p:sldIdLst>
     <p:sldId id="257" r:id="rId2"/>
     <p:sldId id="259" r:id="rId3"/>
-    <p:sldId id="258" r:id="rId4"/>
+    <p:sldId id="260" r:id="rId4"/>
+    <p:sldId id="258" r:id="rId5"/>
   </p:sldIdLst>
   <p:sldSz cx="12192000" cy="18000663"/>
   <p:notesSz cx="6858000" cy="9144000"/>
@@ -256,7 +257,7 @@
           <a:p>
             <a:fld id="{608E0E66-85E3-423A-8BBB-B5ACCDF0FA63}" type="datetimeFigureOut">
               <a:rPr kumimoji="1" lang="ja-JP" altLang="en-US" smtClean="0"/>
-              <a:t>2019/12/9</a:t>
+              <a:t>2019/12/24</a:t>
             </a:fld>
             <a:endParaRPr kumimoji="1" lang="ja-JP" altLang="en-US"/>
           </a:p>
@@ -458,7 +459,7 @@
           <a:p>
             <a:fld id="{608E0E66-85E3-423A-8BBB-B5ACCDF0FA63}" type="datetimeFigureOut">
               <a:rPr kumimoji="1" lang="ja-JP" altLang="en-US" smtClean="0"/>
-              <a:t>2019/12/9</a:t>
+              <a:t>2019/12/24</a:t>
             </a:fld>
             <a:endParaRPr kumimoji="1" lang="ja-JP" altLang="en-US"/>
           </a:p>
@@ -670,7 +671,7 @@
           <a:p>
             <a:fld id="{608E0E66-85E3-423A-8BBB-B5ACCDF0FA63}" type="datetimeFigureOut">
               <a:rPr kumimoji="1" lang="ja-JP" altLang="en-US" smtClean="0"/>
-              <a:t>2019/12/9</a:t>
+              <a:t>2019/12/24</a:t>
             </a:fld>
             <a:endParaRPr kumimoji="1" lang="ja-JP" altLang="en-US"/>
           </a:p>
@@ -872,7 +873,7 @@
           <a:p>
             <a:fld id="{608E0E66-85E3-423A-8BBB-B5ACCDF0FA63}" type="datetimeFigureOut">
               <a:rPr kumimoji="1" lang="ja-JP" altLang="en-US" smtClean="0"/>
-              <a:t>2019/12/9</a:t>
+              <a:t>2019/12/24</a:t>
             </a:fld>
             <a:endParaRPr kumimoji="1" lang="ja-JP" altLang="en-US"/>
           </a:p>
@@ -1116,7 +1117,7 @@
           <a:p>
             <a:fld id="{608E0E66-85E3-423A-8BBB-B5ACCDF0FA63}" type="datetimeFigureOut">
               <a:rPr kumimoji="1" lang="ja-JP" altLang="en-US" smtClean="0"/>
-              <a:t>2019/12/9</a:t>
+              <a:t>2019/12/24</a:t>
             </a:fld>
             <a:endParaRPr kumimoji="1" lang="ja-JP" altLang="en-US"/>
           </a:p>
@@ -1412,7 +1413,7 @@
           <a:p>
             <a:fld id="{608E0E66-85E3-423A-8BBB-B5ACCDF0FA63}" type="datetimeFigureOut">
               <a:rPr kumimoji="1" lang="ja-JP" altLang="en-US" smtClean="0"/>
-              <a:t>2019/12/9</a:t>
+              <a:t>2019/12/24</a:t>
             </a:fld>
             <a:endParaRPr kumimoji="1" lang="ja-JP" altLang="en-US"/>
           </a:p>
@@ -1843,7 +1844,7 @@
           <a:p>
             <a:fld id="{608E0E66-85E3-423A-8BBB-B5ACCDF0FA63}" type="datetimeFigureOut">
               <a:rPr kumimoji="1" lang="ja-JP" altLang="en-US" smtClean="0"/>
-              <a:t>2019/12/9</a:t>
+              <a:t>2019/12/24</a:t>
             </a:fld>
             <a:endParaRPr kumimoji="1" lang="ja-JP" altLang="en-US"/>
           </a:p>
@@ -1961,7 +1962,7 @@
           <a:p>
             <a:fld id="{608E0E66-85E3-423A-8BBB-B5ACCDF0FA63}" type="datetimeFigureOut">
               <a:rPr kumimoji="1" lang="ja-JP" altLang="en-US" smtClean="0"/>
-              <a:t>2019/12/9</a:t>
+              <a:t>2019/12/24</a:t>
             </a:fld>
             <a:endParaRPr kumimoji="1" lang="ja-JP" altLang="en-US"/>
           </a:p>
@@ -2056,7 +2057,7 @@
           <a:p>
             <a:fld id="{608E0E66-85E3-423A-8BBB-B5ACCDF0FA63}" type="datetimeFigureOut">
               <a:rPr kumimoji="1" lang="ja-JP" altLang="en-US" smtClean="0"/>
-              <a:t>2019/12/9</a:t>
+              <a:t>2019/12/24</a:t>
             </a:fld>
             <a:endParaRPr kumimoji="1" lang="ja-JP" altLang="en-US"/>
           </a:p>
@@ -2365,7 +2366,7 @@
           <a:p>
             <a:fld id="{608E0E66-85E3-423A-8BBB-B5ACCDF0FA63}" type="datetimeFigureOut">
               <a:rPr kumimoji="1" lang="ja-JP" altLang="en-US" smtClean="0"/>
-              <a:t>2019/12/9</a:t>
+              <a:t>2019/12/24</a:t>
             </a:fld>
             <a:endParaRPr kumimoji="1" lang="ja-JP" altLang="en-US"/>
           </a:p>
@@ -2622,7 +2623,7 @@
           <a:p>
             <a:fld id="{608E0E66-85E3-423A-8BBB-B5ACCDF0FA63}" type="datetimeFigureOut">
               <a:rPr kumimoji="1" lang="ja-JP" altLang="en-US" smtClean="0"/>
-              <a:t>2019/12/9</a:t>
+              <a:t>2019/12/24</a:t>
             </a:fld>
             <a:endParaRPr kumimoji="1" lang="ja-JP" altLang="en-US"/>
           </a:p>
@@ -2867,7 +2868,7 @@
           <a:p>
             <a:fld id="{608E0E66-85E3-423A-8BBB-B5ACCDF0FA63}" type="datetimeFigureOut">
               <a:rPr kumimoji="1" lang="ja-JP" altLang="en-US" smtClean="0"/>
-              <a:t>2019/12/9</a:t>
+              <a:t>2019/12/24</a:t>
             </a:fld>
             <a:endParaRPr kumimoji="1" lang="ja-JP" altLang="en-US"/>
           </a:p>
@@ -5449,6 +5450,604 @@
         </p:nvSpPr>
         <p:spPr>
           <a:xfrm>
+            <a:off x="5173210" y="2815825"/>
+            <a:ext cx="2671761" cy="276999"/>
+          </a:xfrm>
+          <a:prstGeom prst="rect">
+            <a:avLst/>
+          </a:prstGeom>
+          <a:noFill/>
+        </p:spPr>
+        <p:txBody>
+          <a:bodyPr wrap="square" rtlCol="0">
+            <a:spAutoFit/>
+          </a:bodyPr>
+          <a:lstStyle/>
+          <a:p>
+            <a:pPr algn="ctr"/>
+            <a:r>
+              <a:rPr lang="en-US" altLang="ja-JP" sz="1200" dirty="0" smtClean="0"/>
+              <a:t>1. </a:t>
+            </a:r>
+            <a:r>
+              <a:rPr lang="ja-JP" altLang="en-US" sz="1200" dirty="0" smtClean="0"/>
+              <a:t>テスト</a:t>
+            </a:r>
+            <a:r>
+              <a:rPr lang="ja-JP" altLang="en-US" sz="1200" dirty="0"/>
+              <a:t>コード</a:t>
+            </a:r>
+            <a:r>
+              <a:rPr lang="ja-JP" altLang="en-US" sz="1200" dirty="0" smtClean="0"/>
+              <a:t>の作成は簡単でした</a:t>
+            </a:r>
+            <a:r>
+              <a:rPr lang="en-US" altLang="ja-JP" sz="1200" dirty="0" smtClean="0"/>
+              <a:t> </a:t>
+            </a:r>
+            <a:endParaRPr kumimoji="1" lang="ja-JP" altLang="en-US" sz="1200" dirty="0"/>
+          </a:p>
+        </p:txBody>
+      </p:sp>
+      <p:sp>
+        <p:nvSpPr>
+          <p:cNvPr id="29" name="テキスト ボックス 28"/>
+          <p:cNvSpPr txBox="1"/>
+          <p:nvPr/>
+        </p:nvSpPr>
+        <p:spPr>
+          <a:xfrm>
+            <a:off x="4563997" y="5094876"/>
+            <a:ext cx="3709355" cy="276999"/>
+          </a:xfrm>
+          <a:prstGeom prst="rect">
+            <a:avLst/>
+          </a:prstGeom>
+          <a:noFill/>
+        </p:spPr>
+        <p:txBody>
+          <a:bodyPr wrap="square" rtlCol="0">
+            <a:spAutoFit/>
+          </a:bodyPr>
+          <a:lstStyle/>
+          <a:p>
+            <a:pPr algn="ctr"/>
+            <a:r>
+              <a:rPr lang="en-US" altLang="ja-JP" sz="1200" dirty="0" smtClean="0"/>
+              <a:t>3. </a:t>
+            </a:r>
+            <a:r>
+              <a:rPr lang="ja-JP" altLang="en-US" sz="1200" dirty="0" smtClean="0"/>
+              <a:t>自分が作成したテストコードの品質に自信がある</a:t>
+            </a:r>
+            <a:endParaRPr kumimoji="1" lang="ja-JP" altLang="en-US" sz="1200" dirty="0"/>
+          </a:p>
+        </p:txBody>
+      </p:sp>
+      <p:sp>
+        <p:nvSpPr>
+          <p:cNvPr id="31" name="テキスト ボックス 30"/>
+          <p:cNvSpPr txBox="1"/>
+          <p:nvPr/>
+        </p:nvSpPr>
+        <p:spPr>
+          <a:xfrm>
+            <a:off x="4299095" y="3971640"/>
+            <a:ext cx="4250031" cy="276999"/>
+          </a:xfrm>
+          <a:prstGeom prst="rect">
+            <a:avLst/>
+          </a:prstGeom>
+          <a:noFill/>
+        </p:spPr>
+        <p:txBody>
+          <a:bodyPr wrap="square" rtlCol="0">
+            <a:spAutoFit/>
+          </a:bodyPr>
+          <a:lstStyle/>
+          <a:p>
+            <a:pPr algn="ctr"/>
+            <a:r>
+              <a:rPr lang="en-US" altLang="ja-JP" sz="1200" dirty="0" smtClean="0"/>
+              <a:t>2. </a:t>
+            </a:r>
+            <a:r>
+              <a:rPr lang="ja-JP" altLang="en-US" sz="1200" dirty="0"/>
+              <a:t>自分</a:t>
+            </a:r>
+            <a:r>
+              <a:rPr lang="ja-JP" altLang="en-US" sz="1200" dirty="0" smtClean="0"/>
+              <a:t>が作成したテストコードのカバレッジに自信がある</a:t>
+            </a:r>
+            <a:endParaRPr kumimoji="1" lang="ja-JP" altLang="en-US" sz="1200" dirty="0"/>
+          </a:p>
+        </p:txBody>
+      </p:sp>
+    </p:spTree>
+    <p:extLst>
+      <p:ext uri="{BB962C8B-B14F-4D97-AF65-F5344CB8AC3E}">
+        <p14:creationId xmlns:p14="http://schemas.microsoft.com/office/powerpoint/2010/main" val="3316305853"/>
+      </p:ext>
+    </p:extLst>
+  </p:cSld>
+  <p:clrMapOvr>
+    <a:masterClrMapping/>
+  </p:clrMapOvr>
+</p:sld>
+</file>
+
+<file path=ppt/slides/slide4.xml><?xml version="1.0" encoding="utf-8"?>
+<p:sld xmlns:a="http://schemas.openxmlformats.org/drawingml/2006/main" xmlns:r="http://schemas.openxmlformats.org/officeDocument/2006/relationships" xmlns:p="http://schemas.openxmlformats.org/presentationml/2006/main">
+  <p:cSld>
+    <p:spTree>
+      <p:nvGrpSpPr>
+        <p:cNvPr id="1" name=""/>
+        <p:cNvGrpSpPr/>
+        <p:nvPr/>
+      </p:nvGrpSpPr>
+      <p:grpSpPr>
+        <a:xfrm>
+          <a:off x="0" y="0"/>
+          <a:ext cx="0" cy="0"/>
+          <a:chOff x="0" y="0"/>
+          <a:chExt cx="0" cy="0"/>
+        </a:xfrm>
+      </p:grpSpPr>
+      <p:grpSp>
+        <p:nvGrpSpPr>
+          <p:cNvPr id="54" name="グループ化 53"/>
+          <p:cNvGrpSpPr/>
+          <p:nvPr/>
+        </p:nvGrpSpPr>
+        <p:grpSpPr>
+          <a:xfrm>
+            <a:off x="554199" y="5408755"/>
+            <a:ext cx="801302" cy="670698"/>
+            <a:chOff x="557549" y="3128884"/>
+            <a:chExt cx="801302" cy="670698"/>
+          </a:xfrm>
+        </p:grpSpPr>
+        <p:sp>
+          <p:nvSpPr>
+            <p:cNvPr id="55" name="テキスト ボックス 54"/>
+            <p:cNvSpPr txBox="1"/>
+            <p:nvPr/>
+          </p:nvSpPr>
+          <p:spPr>
+            <a:xfrm>
+              <a:off x="613958" y="3128884"/>
+              <a:ext cx="744893" cy="292388"/>
+            </a:xfrm>
+            <a:prstGeom prst="rect">
+              <a:avLst/>
+            </a:prstGeom>
+            <a:solidFill>
+              <a:schemeClr val="bg1"/>
+            </a:solidFill>
+          </p:spPr>
+          <p:txBody>
+            <a:bodyPr wrap="square" rtlCol="0">
+              <a:spAutoFit/>
+            </a:bodyPr>
+            <a:lstStyle/>
+            <a:p>
+              <a:pPr algn="r"/>
+              <a:r>
+                <a:rPr lang="en-US" altLang="ja-JP" sz="1300" dirty="0" smtClean="0"/>
+                <a:t>Tool</a:t>
+              </a:r>
+              <a:endParaRPr kumimoji="1" lang="ja-JP" altLang="en-US" sz="1300" dirty="0"/>
+            </a:p>
+          </p:txBody>
+        </p:sp>
+        <p:sp>
+          <p:nvSpPr>
+            <p:cNvPr id="56" name="テキスト ボックス 55"/>
+            <p:cNvSpPr txBox="1"/>
+            <p:nvPr/>
+          </p:nvSpPr>
+          <p:spPr>
+            <a:xfrm>
+              <a:off x="557549" y="3507194"/>
+              <a:ext cx="799627" cy="292388"/>
+            </a:xfrm>
+            <a:prstGeom prst="rect">
+              <a:avLst/>
+            </a:prstGeom>
+            <a:solidFill>
+              <a:schemeClr val="bg1"/>
+            </a:solidFill>
+          </p:spPr>
+          <p:txBody>
+            <a:bodyPr wrap="square" rtlCol="0">
+              <a:spAutoFit/>
+            </a:bodyPr>
+            <a:lstStyle/>
+            <a:p>
+              <a:pPr algn="r"/>
+              <a:r>
+                <a:rPr lang="en-US" altLang="ja-JP" sz="1300" dirty="0" smtClean="0"/>
+                <a:t>Manual</a:t>
+              </a:r>
+              <a:endParaRPr kumimoji="1" lang="ja-JP" altLang="en-US" sz="1300" dirty="0"/>
+            </a:p>
+          </p:txBody>
+        </p:sp>
+      </p:grpSp>
+      <p:grpSp>
+        <p:nvGrpSpPr>
+          <p:cNvPr id="51" name="グループ化 50"/>
+          <p:cNvGrpSpPr/>
+          <p:nvPr/>
+        </p:nvGrpSpPr>
+        <p:grpSpPr>
+          <a:xfrm>
+            <a:off x="555874" y="4312059"/>
+            <a:ext cx="801302" cy="670698"/>
+            <a:chOff x="557549" y="3128884"/>
+            <a:chExt cx="801302" cy="670698"/>
+          </a:xfrm>
+        </p:grpSpPr>
+        <p:sp>
+          <p:nvSpPr>
+            <p:cNvPr id="52" name="テキスト ボックス 51"/>
+            <p:cNvSpPr txBox="1"/>
+            <p:nvPr/>
+          </p:nvSpPr>
+          <p:spPr>
+            <a:xfrm>
+              <a:off x="613958" y="3128884"/>
+              <a:ext cx="744893" cy="292388"/>
+            </a:xfrm>
+            <a:prstGeom prst="rect">
+              <a:avLst/>
+            </a:prstGeom>
+            <a:solidFill>
+              <a:schemeClr val="bg1"/>
+            </a:solidFill>
+          </p:spPr>
+          <p:txBody>
+            <a:bodyPr wrap="square" rtlCol="0">
+              <a:spAutoFit/>
+            </a:bodyPr>
+            <a:lstStyle/>
+            <a:p>
+              <a:pPr algn="r"/>
+              <a:r>
+                <a:rPr lang="en-US" altLang="ja-JP" sz="1300" dirty="0" smtClean="0"/>
+                <a:t>Tool</a:t>
+              </a:r>
+              <a:endParaRPr kumimoji="1" lang="ja-JP" altLang="en-US" sz="1300" dirty="0"/>
+            </a:p>
+          </p:txBody>
+        </p:sp>
+        <p:sp>
+          <p:nvSpPr>
+            <p:cNvPr id="53" name="テキスト ボックス 52"/>
+            <p:cNvSpPr txBox="1"/>
+            <p:nvPr/>
+          </p:nvSpPr>
+          <p:spPr>
+            <a:xfrm>
+              <a:off x="557549" y="3507194"/>
+              <a:ext cx="799627" cy="292388"/>
+            </a:xfrm>
+            <a:prstGeom prst="rect">
+              <a:avLst/>
+            </a:prstGeom>
+            <a:solidFill>
+              <a:schemeClr val="bg1"/>
+            </a:solidFill>
+          </p:spPr>
+          <p:txBody>
+            <a:bodyPr wrap="square" rtlCol="0">
+              <a:spAutoFit/>
+            </a:bodyPr>
+            <a:lstStyle/>
+            <a:p>
+              <a:pPr algn="r"/>
+              <a:r>
+                <a:rPr lang="en-US" altLang="ja-JP" sz="1300" dirty="0" smtClean="0"/>
+                <a:t>Manual</a:t>
+              </a:r>
+              <a:endParaRPr kumimoji="1" lang="ja-JP" altLang="en-US" sz="1300" dirty="0"/>
+            </a:p>
+          </p:txBody>
+        </p:sp>
+      </p:grpSp>
+      <p:grpSp>
+        <p:nvGrpSpPr>
+          <p:cNvPr id="16" name="グループ化 15"/>
+          <p:cNvGrpSpPr/>
+          <p:nvPr/>
+        </p:nvGrpSpPr>
+        <p:grpSpPr>
+          <a:xfrm>
+            <a:off x="557549" y="3128884"/>
+            <a:ext cx="801302" cy="670698"/>
+            <a:chOff x="557549" y="3128884"/>
+            <a:chExt cx="801302" cy="670698"/>
+          </a:xfrm>
+        </p:grpSpPr>
+        <p:sp>
+          <p:nvSpPr>
+            <p:cNvPr id="33" name="テキスト ボックス 32"/>
+            <p:cNvSpPr txBox="1"/>
+            <p:nvPr/>
+          </p:nvSpPr>
+          <p:spPr>
+            <a:xfrm>
+              <a:off x="613958" y="3128884"/>
+              <a:ext cx="744893" cy="292388"/>
+            </a:xfrm>
+            <a:prstGeom prst="rect">
+              <a:avLst/>
+            </a:prstGeom>
+            <a:solidFill>
+              <a:schemeClr val="bg1"/>
+            </a:solidFill>
+          </p:spPr>
+          <p:txBody>
+            <a:bodyPr wrap="square" rtlCol="0">
+              <a:spAutoFit/>
+            </a:bodyPr>
+            <a:lstStyle/>
+            <a:p>
+              <a:pPr algn="r"/>
+              <a:r>
+                <a:rPr lang="en-US" altLang="ja-JP" sz="1300" dirty="0" smtClean="0"/>
+                <a:t>Tool</a:t>
+              </a:r>
+              <a:endParaRPr kumimoji="1" lang="ja-JP" altLang="en-US" sz="1300" dirty="0"/>
+            </a:p>
+          </p:txBody>
+        </p:sp>
+        <p:sp>
+          <p:nvSpPr>
+            <p:cNvPr id="34" name="テキスト ボックス 33"/>
+            <p:cNvSpPr txBox="1"/>
+            <p:nvPr/>
+          </p:nvSpPr>
+          <p:spPr>
+            <a:xfrm>
+              <a:off x="557549" y="3507194"/>
+              <a:ext cx="799627" cy="292388"/>
+            </a:xfrm>
+            <a:prstGeom prst="rect">
+              <a:avLst/>
+            </a:prstGeom>
+            <a:solidFill>
+              <a:schemeClr val="bg1"/>
+            </a:solidFill>
+          </p:spPr>
+          <p:txBody>
+            <a:bodyPr wrap="square" rtlCol="0">
+              <a:spAutoFit/>
+            </a:bodyPr>
+            <a:lstStyle/>
+            <a:p>
+              <a:pPr algn="r"/>
+              <a:r>
+                <a:rPr lang="en-US" altLang="ja-JP" sz="1300" dirty="0" smtClean="0"/>
+                <a:t>Manual</a:t>
+              </a:r>
+              <a:endParaRPr kumimoji="1" lang="ja-JP" altLang="en-US" sz="1300" dirty="0"/>
+            </a:p>
+          </p:txBody>
+        </p:sp>
+      </p:grpSp>
+      <p:pic>
+        <p:nvPicPr>
+          <p:cNvPr id="12" name="図 11"/>
+          <p:cNvPicPr>
+            <a:picLocks noChangeAspect="1"/>
+          </p:cNvPicPr>
+          <p:nvPr/>
+        </p:nvPicPr>
+        <p:blipFill>
+          <a:blip r:embed="rId2" cstate="print">
+            <a:extLst>
+              <a:ext uri="{28A0092B-C50C-407E-A947-70E740481C1C}">
+                <a14:useLocalDpi xmlns:a14="http://schemas.microsoft.com/office/drawing/2010/main" val="0"/>
+              </a:ext>
+            </a:extLst>
+          </a:blip>
+          <a:stretch>
+            <a:fillRect/>
+          </a:stretch>
+        </p:blipFill>
+        <p:spPr>
+          <a:xfrm>
+            <a:off x="1637119" y="19677330"/>
+            <a:ext cx="11088647" cy="4291593"/>
+          </a:xfrm>
+          <a:prstGeom prst="rect">
+            <a:avLst/>
+          </a:prstGeom>
+        </p:spPr>
+      </p:pic>
+      <p:pic>
+        <p:nvPicPr>
+          <p:cNvPr id="10" name="図 9"/>
+          <p:cNvPicPr>
+            <a:picLocks noChangeAspect="1"/>
+          </p:cNvPicPr>
+          <p:nvPr/>
+        </p:nvPicPr>
+        <p:blipFill rotWithShape="1">
+          <a:blip r:embed="rId2" cstate="print">
+            <a:extLst>
+              <a:ext uri="{28A0092B-C50C-407E-A947-70E740481C1C}">
+                <a14:useLocalDpi xmlns:a14="http://schemas.microsoft.com/office/drawing/2010/main" val="0"/>
+              </a:ext>
+            </a:extLst>
+          </a:blip>
+          <a:srcRect t="78925" b="663"/>
+          <a:stretch/>
+        </p:blipFill>
+        <p:spPr>
+          <a:xfrm>
+            <a:off x="472100" y="6168990"/>
+            <a:ext cx="11088647" cy="876058"/>
+          </a:xfrm>
+          <a:prstGeom prst="rect">
+            <a:avLst/>
+          </a:prstGeom>
+        </p:spPr>
+      </p:pic>
+      <p:pic>
+        <p:nvPicPr>
+          <p:cNvPr id="14" name="図 13"/>
+          <p:cNvPicPr>
+            <a:picLocks noChangeAspect="1"/>
+          </p:cNvPicPr>
+          <p:nvPr/>
+        </p:nvPicPr>
+        <p:blipFill rotWithShape="1">
+          <a:blip r:embed="rId3" cstate="print">
+            <a:extLst>
+              <a:ext uri="{28A0092B-C50C-407E-A947-70E740481C1C}">
+                <a14:useLocalDpi xmlns:a14="http://schemas.microsoft.com/office/drawing/2010/main" val="0"/>
+              </a:ext>
+            </a:extLst>
+          </a:blip>
+          <a:srcRect l="6921" t="53053" b="20314"/>
+          <a:stretch/>
+        </p:blipFill>
+        <p:spPr>
+          <a:xfrm>
+            <a:off x="1307206" y="2779222"/>
+            <a:ext cx="10321216" cy="1143000"/>
+          </a:xfrm>
+          <a:prstGeom prst="rect">
+            <a:avLst/>
+          </a:prstGeom>
+        </p:spPr>
+      </p:pic>
+      <p:pic>
+        <p:nvPicPr>
+          <p:cNvPr id="15" name="図 14"/>
+          <p:cNvPicPr>
+            <a:picLocks noChangeAspect="1"/>
+          </p:cNvPicPr>
+          <p:nvPr/>
+        </p:nvPicPr>
+        <p:blipFill rotWithShape="1">
+          <a:blip r:embed="rId3" cstate="print">
+            <a:extLst>
+              <a:ext uri="{28A0092B-C50C-407E-A947-70E740481C1C}">
+                <a14:useLocalDpi xmlns:a14="http://schemas.microsoft.com/office/drawing/2010/main" val="0"/>
+              </a:ext>
+            </a:extLst>
+          </a:blip>
+          <a:srcRect l="6921" b="46611"/>
+          <a:stretch/>
+        </p:blipFill>
+        <p:spPr>
+          <a:xfrm>
+            <a:off x="1307206" y="3918879"/>
+            <a:ext cx="10321216" cy="2291254"/>
+          </a:xfrm>
+          <a:prstGeom prst="rect">
+            <a:avLst/>
+          </a:prstGeom>
+        </p:spPr>
+      </p:pic>
+      <p:pic>
+        <p:nvPicPr>
+          <p:cNvPr id="23" name="図 22"/>
+          <p:cNvPicPr>
+            <a:picLocks noChangeAspect="1"/>
+          </p:cNvPicPr>
+          <p:nvPr/>
+        </p:nvPicPr>
+        <p:blipFill rotWithShape="1">
+          <a:blip r:embed="rId2" cstate="print">
+            <a:extLst>
+              <a:ext uri="{28A0092B-C50C-407E-A947-70E740481C1C}">
+                <a14:useLocalDpi xmlns:a14="http://schemas.microsoft.com/office/drawing/2010/main" val="0"/>
+              </a:ext>
+            </a:extLst>
+          </a:blip>
+          <a:srcRect l="66262" t="55107" r="870" b="40992"/>
+          <a:stretch/>
+        </p:blipFill>
+        <p:spPr>
+          <a:xfrm>
+            <a:off x="4473263" y="2850648"/>
+            <a:ext cx="3644721" cy="167425"/>
+          </a:xfrm>
+          <a:prstGeom prst="rect">
+            <a:avLst/>
+          </a:prstGeom>
+        </p:spPr>
+      </p:pic>
+      <p:pic>
+        <p:nvPicPr>
+          <p:cNvPr id="24" name="図 23"/>
+          <p:cNvPicPr>
+            <a:picLocks noChangeAspect="1"/>
+          </p:cNvPicPr>
+          <p:nvPr/>
+        </p:nvPicPr>
+        <p:blipFill rotWithShape="1">
+          <a:blip r:embed="rId2" cstate="print">
+            <a:extLst>
+              <a:ext uri="{28A0092B-C50C-407E-A947-70E740481C1C}">
+                <a14:useLocalDpi xmlns:a14="http://schemas.microsoft.com/office/drawing/2010/main" val="0"/>
+              </a:ext>
+            </a:extLst>
+          </a:blip>
+          <a:srcRect l="66262" t="55107" r="870" b="40992"/>
+          <a:stretch/>
+        </p:blipFill>
+        <p:spPr>
+          <a:xfrm>
+            <a:off x="4750158" y="4026645"/>
+            <a:ext cx="3644721" cy="167425"/>
+          </a:xfrm>
+          <a:prstGeom prst="rect">
+            <a:avLst/>
+          </a:prstGeom>
+        </p:spPr>
+      </p:pic>
+      <p:pic>
+        <p:nvPicPr>
+          <p:cNvPr id="25" name="図 24"/>
+          <p:cNvPicPr>
+            <a:picLocks noChangeAspect="1"/>
+          </p:cNvPicPr>
+          <p:nvPr/>
+        </p:nvPicPr>
+        <p:blipFill rotWithShape="1">
+          <a:blip r:embed="rId2" cstate="print">
+            <a:extLst>
+              <a:ext uri="{28A0092B-C50C-407E-A947-70E740481C1C}">
+                <a14:useLocalDpi xmlns:a14="http://schemas.microsoft.com/office/drawing/2010/main" val="0"/>
+              </a:ext>
+            </a:extLst>
+          </a:blip>
+          <a:srcRect l="66262" t="55107" r="870" b="40992"/>
+          <a:stretch/>
+        </p:blipFill>
+        <p:spPr>
+          <a:xfrm>
+            <a:off x="4692204" y="5146150"/>
+            <a:ext cx="3644721" cy="167425"/>
+          </a:xfrm>
+          <a:prstGeom prst="rect">
+            <a:avLst/>
+          </a:prstGeom>
+        </p:spPr>
+      </p:pic>
+      <p:sp>
+        <p:nvSpPr>
+          <p:cNvPr id="27" name="テキスト ボックス 26"/>
+          <p:cNvSpPr txBox="1"/>
+          <p:nvPr/>
+        </p:nvSpPr>
+        <p:spPr>
+          <a:xfrm>
             <a:off x="5173210" y="2794054"/>
             <a:ext cx="2545329" cy="276999"/>
           </a:xfrm>
